--- a/assets/img/notice_panel-3.pptx
+++ b/assets/img/notice_panel-3.pptx
@@ -6926,52 +6926,43 @@
             </a:p>
           </p:txBody>
         </p:sp>
-        <p:pic>
-          <p:nvPicPr>
-            <p:cNvPr id="7" name="그림 6" descr="텍스트, 클립아트이(가) 표시된 사진&#10;&#10;자동 생성된 설명">
-              <a:extLst>
-                <a:ext uri="{FF2B5EF4-FFF2-40B4-BE49-F238E27FC236}">
-                  <a16:creationId xmlns:a16="http://schemas.microsoft.com/office/drawing/2014/main" id="{04FD236A-DFA2-40E5-838F-E34DB9CD660B}"/>
-                </a:ext>
-              </a:extLst>
-            </p:cNvPr>
-            <p:cNvPicPr>
-              <a:picLocks noChangeAspect="1"/>
-            </p:cNvPicPr>
-            <p:nvPr/>
-          </p:nvPicPr>
-          <p:blipFill>
-            <a:blip r:embed="rId13">
-              <a:extLst>
-                <a:ext uri="{BEBA8EAE-BF5A-486C-A8C5-ECC9F3942E4B}">
-                  <a14:imgProps xmlns:a14="http://schemas.microsoft.com/office/drawing/2010/main">
-                    <a14:imgLayer r:embed="rId14">
-                      <a14:imgEffect>
-                        <a14:sharpenSoften amount="25000"/>
-                      </a14:imgEffect>
-                    </a14:imgLayer>
-                  </a14:imgProps>
-                </a:ext>
-                <a:ext uri="{28A0092B-C50C-407E-A947-70E740481C1C}">
-                  <a14:useLocalDpi xmlns:a14="http://schemas.microsoft.com/office/drawing/2010/main" val="0"/>
-                </a:ext>
-              </a:extLst>
-            </a:blip>
-            <a:stretch>
-              <a:fillRect/>
-            </a:stretch>
-          </p:blipFill>
-          <p:spPr>
-            <a:xfrm>
-              <a:off x="7611451" y="4200870"/>
-              <a:ext cx="1772788" cy="1500685"/>
-            </a:xfrm>
-            <a:prstGeom prst="rect">
-              <a:avLst/>
-            </a:prstGeom>
-          </p:spPr>
-        </p:pic>
       </p:grpSp>
+      <p:pic>
+        <p:nvPicPr>
+          <p:cNvPr id="10" name="그림 9" descr="텍스트, 클립아트이(가) 표시된 사진&#10;&#10;자동 생성된 설명">
+            <a:extLst>
+              <a:ext uri="{FF2B5EF4-FFF2-40B4-BE49-F238E27FC236}">
+                <a16:creationId xmlns:a16="http://schemas.microsoft.com/office/drawing/2014/main" id="{98BD0AF4-C792-4D04-982E-38CEC30AACA3}"/>
+              </a:ext>
+            </a:extLst>
+          </p:cNvPr>
+          <p:cNvPicPr>
+            <a:picLocks noChangeAspect="1"/>
+          </p:cNvPicPr>
+          <p:nvPr/>
+        </p:nvPicPr>
+        <p:blipFill>
+          <a:blip r:embed="rId13">
+            <a:extLst>
+              <a:ext uri="{28A0092B-C50C-407E-A947-70E740481C1C}">
+                <a14:useLocalDpi xmlns:a14="http://schemas.microsoft.com/office/drawing/2010/main" val="0"/>
+              </a:ext>
+            </a:extLst>
+          </a:blip>
+          <a:stretch>
+            <a:fillRect/>
+          </a:stretch>
+        </p:blipFill>
+        <p:spPr>
+          <a:xfrm>
+            <a:off x="6548669" y="4090825"/>
+            <a:ext cx="3898352" cy="1666232"/>
+          </a:xfrm>
+          <a:prstGeom prst="rect">
+            <a:avLst/>
+          </a:prstGeom>
+        </p:spPr>
+      </p:pic>
     </p:spTree>
     <p:extLst>
       <p:ext uri="{BB962C8B-B14F-4D97-AF65-F5344CB8AC3E}">

--- a/assets/img/notice_panel-3.pptx
+++ b/assets/img/notice_panel-3.pptx
@@ -259,7 +259,7 @@
           <a:p>
             <a:fld id="{91C883BF-99AE-42FD-96B8-D02942FEBE9A}" type="datetimeFigureOut">
               <a:rPr lang="ko-KR" altLang="en-US" smtClean="0"/>
-              <a:t>2021-01-14</a:t>
+              <a:t>2021-03-17</a:t>
             </a:fld>
             <a:endParaRPr lang="ko-KR" altLang="en-US" dirty="0"/>
           </a:p>
@@ -457,7 +457,7 @@
           <a:p>
             <a:fld id="{91C883BF-99AE-42FD-96B8-D02942FEBE9A}" type="datetimeFigureOut">
               <a:rPr lang="ko-KR" altLang="en-US" smtClean="0"/>
-              <a:t>2021-01-14</a:t>
+              <a:t>2021-03-17</a:t>
             </a:fld>
             <a:endParaRPr lang="ko-KR" altLang="en-US" dirty="0"/>
           </a:p>
@@ -665,7 +665,7 @@
           <a:p>
             <a:fld id="{91C883BF-99AE-42FD-96B8-D02942FEBE9A}" type="datetimeFigureOut">
               <a:rPr lang="ko-KR" altLang="en-US" smtClean="0"/>
-              <a:t>2021-01-14</a:t>
+              <a:t>2021-03-17</a:t>
             </a:fld>
             <a:endParaRPr lang="ko-KR" altLang="en-US" dirty="0"/>
           </a:p>
@@ -863,7 +863,7 @@
           <a:p>
             <a:fld id="{91C883BF-99AE-42FD-96B8-D02942FEBE9A}" type="datetimeFigureOut">
               <a:rPr lang="ko-KR" altLang="en-US" smtClean="0"/>
-              <a:t>2021-01-14</a:t>
+              <a:t>2021-03-17</a:t>
             </a:fld>
             <a:endParaRPr lang="ko-KR" altLang="en-US" dirty="0"/>
           </a:p>
@@ -1138,7 +1138,7 @@
           <a:p>
             <a:fld id="{91C883BF-99AE-42FD-96B8-D02942FEBE9A}" type="datetimeFigureOut">
               <a:rPr lang="ko-KR" altLang="en-US" smtClean="0"/>
-              <a:t>2021-01-14</a:t>
+              <a:t>2021-03-17</a:t>
             </a:fld>
             <a:endParaRPr lang="ko-KR" altLang="en-US" dirty="0"/>
           </a:p>
@@ -1403,7 +1403,7 @@
           <a:p>
             <a:fld id="{91C883BF-99AE-42FD-96B8-D02942FEBE9A}" type="datetimeFigureOut">
               <a:rPr lang="ko-KR" altLang="en-US" smtClean="0"/>
-              <a:t>2021-01-14</a:t>
+              <a:t>2021-03-17</a:t>
             </a:fld>
             <a:endParaRPr lang="ko-KR" altLang="en-US" dirty="0"/>
           </a:p>
@@ -1815,7 +1815,7 @@
           <a:p>
             <a:fld id="{91C883BF-99AE-42FD-96B8-D02942FEBE9A}" type="datetimeFigureOut">
               <a:rPr lang="ko-KR" altLang="en-US" smtClean="0"/>
-              <a:t>2021-01-14</a:t>
+              <a:t>2021-03-17</a:t>
             </a:fld>
             <a:endParaRPr lang="ko-KR" altLang="en-US" dirty="0"/>
           </a:p>
@@ -1956,7 +1956,7 @@
           <a:p>
             <a:fld id="{91C883BF-99AE-42FD-96B8-D02942FEBE9A}" type="datetimeFigureOut">
               <a:rPr lang="ko-KR" altLang="en-US" smtClean="0"/>
-              <a:t>2021-01-14</a:t>
+              <a:t>2021-03-17</a:t>
             </a:fld>
             <a:endParaRPr lang="ko-KR" altLang="en-US" dirty="0"/>
           </a:p>
@@ -2069,7 +2069,7 @@
           <a:p>
             <a:fld id="{91C883BF-99AE-42FD-96B8-D02942FEBE9A}" type="datetimeFigureOut">
               <a:rPr lang="ko-KR" altLang="en-US" smtClean="0"/>
-              <a:t>2021-01-14</a:t>
+              <a:t>2021-03-17</a:t>
             </a:fld>
             <a:endParaRPr lang="ko-KR" altLang="en-US" dirty="0"/>
           </a:p>
@@ -2380,7 +2380,7 @@
           <a:p>
             <a:fld id="{91C883BF-99AE-42FD-96B8-D02942FEBE9A}" type="datetimeFigureOut">
               <a:rPr lang="ko-KR" altLang="en-US" smtClean="0"/>
-              <a:t>2021-01-14</a:t>
+              <a:t>2021-03-17</a:t>
             </a:fld>
             <a:endParaRPr lang="ko-KR" altLang="en-US" dirty="0"/>
           </a:p>
@@ -2668,7 +2668,7 @@
           <a:p>
             <a:fld id="{91C883BF-99AE-42FD-96B8-D02942FEBE9A}" type="datetimeFigureOut">
               <a:rPr lang="ko-KR" altLang="en-US" smtClean="0"/>
-              <a:t>2021-01-14</a:t>
+              <a:t>2021-03-17</a:t>
             </a:fld>
             <a:endParaRPr lang="ko-KR" altLang="en-US" dirty="0"/>
           </a:p>
@@ -2909,7 +2909,7 @@
           <a:p>
             <a:fld id="{91C883BF-99AE-42FD-96B8-D02942FEBE9A}" type="datetimeFigureOut">
               <a:rPr lang="ko-KR" altLang="en-US" smtClean="0"/>
-              <a:t>2021-01-14</a:t>
+              <a:t>2021-03-17</a:t>
             </a:fld>
             <a:endParaRPr lang="ko-KR" altLang="en-US" dirty="0"/>
           </a:p>
@@ -4658,7 +4658,7 @@
         </p:nvSpPr>
         <p:spPr>
           <a:xfrm>
-            <a:off x="3335245" y="1308337"/>
+            <a:off x="3335245" y="1308151"/>
             <a:ext cx="966931" cy="246221"/>
           </a:xfrm>
           <a:prstGeom prst="rect">
@@ -4703,7 +4703,7 @@
         </p:nvSpPr>
         <p:spPr>
           <a:xfrm>
-            <a:off x="3335245" y="1508226"/>
+            <a:off x="3335245" y="1507854"/>
             <a:ext cx="1010213" cy="246221"/>
           </a:xfrm>
           <a:prstGeom prst="rect">
@@ -4755,7 +4755,7 @@
         </p:nvSpPr>
         <p:spPr>
           <a:xfrm>
-            <a:off x="3335245" y="1708115"/>
+            <a:off x="3335245" y="1707557"/>
             <a:ext cx="715260" cy="246221"/>
           </a:xfrm>
           <a:prstGeom prst="rect">
@@ -4800,7 +4800,7 @@
         </p:nvSpPr>
         <p:spPr>
           <a:xfrm>
-            <a:off x="3335245" y="1908004"/>
+            <a:off x="3335245" y="1907260"/>
             <a:ext cx="715260" cy="246221"/>
           </a:xfrm>
           <a:prstGeom prst="rect">
@@ -4845,7 +4845,7 @@
         </p:nvSpPr>
         <p:spPr>
           <a:xfrm>
-            <a:off x="3335245" y="2107893"/>
+            <a:off x="3335245" y="2106963"/>
             <a:ext cx="1295547" cy="246221"/>
           </a:xfrm>
           <a:prstGeom prst="rect">
@@ -4904,7 +4904,7 @@
         </p:nvSpPr>
         <p:spPr>
           <a:xfrm>
-            <a:off x="3335245" y="2307782"/>
+            <a:off x="3335245" y="2306666"/>
             <a:ext cx="1295547" cy="246221"/>
           </a:xfrm>
           <a:prstGeom prst="rect">
@@ -5208,7 +5208,7 @@
         </p:blipFill>
         <p:spPr>
           <a:xfrm>
-            <a:off x="3086804" y="2753810"/>
+            <a:off x="3086804" y="2952027"/>
             <a:ext cx="233386" cy="127032"/>
           </a:xfrm>
           <a:prstGeom prst="rect">
@@ -5230,7 +5230,7 @@
         </p:nvSpPr>
         <p:spPr>
           <a:xfrm>
-            <a:off x="3335245" y="2507671"/>
+            <a:off x="3335245" y="2506369"/>
             <a:ext cx="966931" cy="246221"/>
           </a:xfrm>
           <a:prstGeom prst="rect">
@@ -5275,7 +5275,7 @@
         </p:nvSpPr>
         <p:spPr>
           <a:xfrm>
-            <a:off x="3335245" y="2707560"/>
+            <a:off x="3335245" y="2905777"/>
             <a:ext cx="1079142" cy="246221"/>
           </a:xfrm>
           <a:prstGeom prst="rect">
@@ -6957,6 +6957,101 @@
           <a:xfrm>
             <a:off x="6548669" y="4090825"/>
             <a:ext cx="3898352" cy="1666232"/>
+          </a:xfrm>
+          <a:prstGeom prst="rect">
+            <a:avLst/>
+          </a:prstGeom>
+        </p:spPr>
+      </p:pic>
+      <p:sp>
+        <p:nvSpPr>
+          <p:cNvPr id="78" name="TextBox 77">
+            <a:extLst>
+              <a:ext uri="{FF2B5EF4-FFF2-40B4-BE49-F238E27FC236}">
+                <a16:creationId xmlns:a16="http://schemas.microsoft.com/office/drawing/2014/main" id="{15A69901-164D-45EE-BF97-4184DD244128}"/>
+              </a:ext>
+            </a:extLst>
+          </p:cNvPr>
+          <p:cNvSpPr txBox="1"/>
+          <p:nvPr/>
+        </p:nvSpPr>
+        <p:spPr>
+          <a:xfrm>
+            <a:off x="3335245" y="2706072"/>
+            <a:ext cx="1295547" cy="246221"/>
+          </a:xfrm>
+          <a:prstGeom prst="rect">
+            <a:avLst/>
+          </a:prstGeom>
+          <a:noFill/>
+        </p:spPr>
+        <p:txBody>
+          <a:bodyPr wrap="none" rtlCol="0">
+            <a:spAutoFit/>
+          </a:bodyPr>
+          <a:lstStyle/>
+          <a:p>
+            <a:r>
+              <a:rPr lang="en-US" altLang="ko-KR" sz="1000" dirty="0">
+                <a:latin typeface="나눔바른고딕" panose="020B0603020101020101" pitchFamily="50" charset="-127"/>
+                <a:ea typeface="나눔바른고딕" panose="020B0603020101020101" pitchFamily="50" charset="-127"/>
+              </a:rPr>
+              <a:t>NHN</a:t>
+            </a:r>
+            <a:r>
+              <a:rPr lang="ko-KR" altLang="en-US" sz="1000" dirty="0">
+                <a:latin typeface="나눔바른고딕" panose="020B0603020101020101" pitchFamily="50" charset="-127"/>
+                <a:ea typeface="나눔바른고딕" panose="020B0603020101020101" pitchFamily="50" charset="-127"/>
+              </a:rPr>
+              <a:t> </a:t>
+            </a:r>
+            <a:r>
+              <a:rPr lang="en-US" altLang="ko-KR" sz="1000" dirty="0">
+                <a:latin typeface="나눔바른고딕" panose="020B0603020101020101" pitchFamily="50" charset="-127"/>
+                <a:ea typeface="나눔바른고딕" panose="020B0603020101020101" pitchFamily="50" charset="-127"/>
+              </a:rPr>
+              <a:t>diquest </a:t>
+            </a:r>
+            <a:r>
+              <a:rPr lang="ko-KR" altLang="en-US" sz="1000" dirty="0">
+                <a:latin typeface="나눔바른고딕" panose="020B0603020101020101" pitchFamily="50" charset="-127"/>
+                <a:ea typeface="나눔바른고딕" panose="020B0603020101020101" pitchFamily="50" charset="-127"/>
+              </a:rPr>
+              <a:t>이승욱</a:t>
+            </a:r>
+          </a:p>
+        </p:txBody>
+      </p:sp>
+      <p:pic>
+        <p:nvPicPr>
+          <p:cNvPr id="80" name="그림 79">
+            <a:extLst>
+              <a:ext uri="{FF2B5EF4-FFF2-40B4-BE49-F238E27FC236}">
+                <a16:creationId xmlns:a16="http://schemas.microsoft.com/office/drawing/2014/main" id="{B782529B-9637-471C-8250-68E100C8DE09}"/>
+              </a:ext>
+            </a:extLst>
+          </p:cNvPr>
+          <p:cNvPicPr>
+            <a:picLocks noChangeAspect="1"/>
+          </p:cNvPicPr>
+          <p:nvPr/>
+        </p:nvPicPr>
+        <p:blipFill>
+          <a:blip r:embed="rId9">
+            <a:extLst>
+              <a:ext uri="{28A0092B-C50C-407E-A947-70E740481C1C}">
+                <a14:useLocalDpi xmlns:a14="http://schemas.microsoft.com/office/drawing/2010/main" val="0"/>
+              </a:ext>
+            </a:extLst>
+          </a:blip>
+          <a:stretch>
+            <a:fillRect/>
+          </a:stretch>
+        </p:blipFill>
+        <p:spPr>
+          <a:xfrm>
+            <a:off x="2683536" y="2761305"/>
+            <a:ext cx="639585" cy="134198"/>
           </a:xfrm>
           <a:prstGeom prst="rect">
             <a:avLst/>
